--- a/Grafiken_Pool/Auswertung/Stoerer_Spac.pptx
+++ b/Grafiken_Pool/Auswertung/Stoerer_Spac.pptx
@@ -197,7 +197,7 @@
           <a:p>
             <a:fld id="{E59A9AD1-EDDA-9A48-B827-2D2CA8FE6E9B}" type="datetimeFigureOut">
               <a:rPr lang="de-DE" smtClean="0"/>
-              <a:t>21.07.17</a:t>
+              <a:t>26.07.17</a:t>
             </a:fld>
             <a:endParaRPr lang="de-DE"/>
           </a:p>
@@ -685,7 +685,7 @@
           <a:p>
             <a:fld id="{40A9683D-5C98-054E-B547-954E3203A261}" type="datetimeFigureOut">
               <a:rPr lang="de-DE" smtClean="0"/>
-              <a:t>21.07.17</a:t>
+              <a:t>26.07.17</a:t>
             </a:fld>
             <a:endParaRPr lang="de-DE"/>
           </a:p>
@@ -850,7 +850,7 @@
           <a:p>
             <a:fld id="{40A9683D-5C98-054E-B547-954E3203A261}" type="datetimeFigureOut">
               <a:rPr lang="de-DE" smtClean="0"/>
-              <a:t>21.07.17</a:t>
+              <a:t>26.07.17</a:t>
             </a:fld>
             <a:endParaRPr lang="de-DE"/>
           </a:p>
@@ -1025,7 +1025,7 @@
           <a:p>
             <a:fld id="{40A9683D-5C98-054E-B547-954E3203A261}" type="datetimeFigureOut">
               <a:rPr lang="de-DE" smtClean="0"/>
-              <a:t>21.07.17</a:t>
+              <a:t>26.07.17</a:t>
             </a:fld>
             <a:endParaRPr lang="de-DE"/>
           </a:p>
@@ -1190,7 +1190,7 @@
           <a:p>
             <a:fld id="{40A9683D-5C98-054E-B547-954E3203A261}" type="datetimeFigureOut">
               <a:rPr lang="de-DE" smtClean="0"/>
-              <a:t>21.07.17</a:t>
+              <a:t>26.07.17</a:t>
             </a:fld>
             <a:endParaRPr lang="de-DE"/>
           </a:p>
@@ -1431,7 +1431,7 @@
           <a:p>
             <a:fld id="{40A9683D-5C98-054E-B547-954E3203A261}" type="datetimeFigureOut">
               <a:rPr lang="de-DE" smtClean="0"/>
-              <a:t>21.07.17</a:t>
+              <a:t>26.07.17</a:t>
             </a:fld>
             <a:endParaRPr lang="de-DE"/>
           </a:p>
@@ -1658,7 +1658,7 @@
           <a:p>
             <a:fld id="{40A9683D-5C98-054E-B547-954E3203A261}" type="datetimeFigureOut">
               <a:rPr lang="de-DE" smtClean="0"/>
-              <a:t>21.07.17</a:t>
+              <a:t>26.07.17</a:t>
             </a:fld>
             <a:endParaRPr lang="de-DE"/>
           </a:p>
@@ -2020,7 +2020,7 @@
           <a:p>
             <a:fld id="{40A9683D-5C98-054E-B547-954E3203A261}" type="datetimeFigureOut">
               <a:rPr lang="de-DE" smtClean="0"/>
-              <a:t>21.07.17</a:t>
+              <a:t>26.07.17</a:t>
             </a:fld>
             <a:endParaRPr lang="de-DE"/>
           </a:p>
@@ -2133,7 +2133,7 @@
           <a:p>
             <a:fld id="{40A9683D-5C98-054E-B547-954E3203A261}" type="datetimeFigureOut">
               <a:rPr lang="de-DE" smtClean="0"/>
-              <a:t>21.07.17</a:t>
+              <a:t>26.07.17</a:t>
             </a:fld>
             <a:endParaRPr lang="de-DE"/>
           </a:p>
@@ -2223,7 +2223,7 @@
           <a:p>
             <a:fld id="{40A9683D-5C98-054E-B547-954E3203A261}" type="datetimeFigureOut">
               <a:rPr lang="de-DE" smtClean="0"/>
-              <a:t>21.07.17</a:t>
+              <a:t>26.07.17</a:t>
             </a:fld>
             <a:endParaRPr lang="de-DE"/>
           </a:p>
@@ -2495,7 +2495,7 @@
           <a:p>
             <a:fld id="{40A9683D-5C98-054E-B547-954E3203A261}" type="datetimeFigureOut">
               <a:rPr lang="de-DE" smtClean="0"/>
-              <a:t>21.07.17</a:t>
+              <a:t>26.07.17</a:t>
             </a:fld>
             <a:endParaRPr lang="de-DE"/>
           </a:p>
@@ -2747,7 +2747,7 @@
           <a:p>
             <a:fld id="{40A9683D-5C98-054E-B547-954E3203A261}" type="datetimeFigureOut">
               <a:rPr lang="de-DE" smtClean="0"/>
-              <a:t>21.07.17</a:t>
+              <a:t>26.07.17</a:t>
             </a:fld>
             <a:endParaRPr lang="de-DE"/>
           </a:p>
@@ -2955,7 +2955,7 @@
           <a:p>
             <a:fld id="{40A9683D-5C98-054E-B547-954E3203A261}" type="datetimeFigureOut">
               <a:rPr lang="de-DE" smtClean="0"/>
-              <a:t>21.07.17</a:t>
+              <a:t>26.07.17</a:t>
             </a:fld>
             <a:endParaRPr lang="de-DE"/>
           </a:p>
@@ -3397,7 +3397,7 @@
         </p:nvSpPr>
         <p:spPr>
           <a:xfrm>
-            <a:off x="0" y="706533"/>
+            <a:off x="475489" y="729175"/>
             <a:ext cx="1325880" cy="400110"/>
           </a:xfrm>
           <a:prstGeom prst="rect">
@@ -3419,11 +3419,6 @@
               </a:rPr>
               <a:t>Störsignal</a:t>
             </a:r>
-            <a:endParaRPr lang="de-DE" sz="2000" dirty="0">
-              <a:solidFill>
-                <a:schemeClr val="bg1"/>
-              </a:solidFill>
-            </a:endParaRPr>
           </a:p>
         </p:txBody>
       </p:sp>
@@ -3450,12 +3445,237 @@
           <a:lstStyle/>
           <a:p>
             <a:r>
-              <a:rPr lang="de-DE" sz="2000">
+              <a:rPr lang="de-DE" sz="2000" dirty="0">
                 <a:solidFill>
                   <a:schemeClr val="bg1"/>
                 </a:solidFill>
               </a:rPr>
               <a:t>Antwort</a:t>
+            </a:r>
+          </a:p>
+        </p:txBody>
+      </p:sp>
+      <p:cxnSp>
+        <p:nvCxnSpPr>
+          <p:cNvPr id="7" name="Gerade Verbindung mit Pfeil 6"/>
+          <p:cNvCxnSpPr/>
+          <p:nvPr/>
+        </p:nvCxnSpPr>
+        <p:spPr>
+          <a:xfrm>
+            <a:off x="338555" y="2219691"/>
+            <a:ext cx="3895117" cy="0"/>
+          </a:xfrm>
+          <a:prstGeom prst="straightConnector1">
+            <a:avLst/>
+          </a:prstGeom>
+          <a:ln>
+            <a:solidFill>
+              <a:schemeClr val="bg1"/>
+            </a:solidFill>
+            <a:tailEnd type="triangle" w="lg" len="lg"/>
+          </a:ln>
+        </p:spPr>
+        <p:style>
+          <a:lnRef idx="1">
+            <a:schemeClr val="accent1"/>
+          </a:lnRef>
+          <a:fillRef idx="0">
+            <a:schemeClr val="accent1"/>
+          </a:fillRef>
+          <a:effectRef idx="0">
+            <a:schemeClr val="accent1"/>
+          </a:effectRef>
+          <a:fontRef idx="minor">
+            <a:schemeClr val="tx1"/>
+          </a:fontRef>
+        </p:style>
+      </p:cxnSp>
+      <p:cxnSp>
+        <p:nvCxnSpPr>
+          <p:cNvPr id="9" name="Gerade Verbindung mit Pfeil 8"/>
+          <p:cNvCxnSpPr/>
+          <p:nvPr/>
+        </p:nvCxnSpPr>
+        <p:spPr>
+          <a:xfrm flipV="1">
+            <a:off x="338555" y="118872"/>
+            <a:ext cx="0" cy="2100819"/>
+          </a:xfrm>
+          <a:prstGeom prst="straightConnector1">
+            <a:avLst/>
+          </a:prstGeom>
+          <a:ln>
+            <a:solidFill>
+              <a:schemeClr val="bg1"/>
+            </a:solidFill>
+            <a:tailEnd type="triangle" w="lg" len="lg"/>
+          </a:ln>
+        </p:spPr>
+        <p:style>
+          <a:lnRef idx="1">
+            <a:schemeClr val="accent1"/>
+          </a:lnRef>
+          <a:fillRef idx="0">
+            <a:schemeClr val="accent1"/>
+          </a:fillRef>
+          <a:effectRef idx="0">
+            <a:schemeClr val="accent1"/>
+          </a:effectRef>
+          <a:fontRef idx="minor">
+            <a:schemeClr val="tx1"/>
+          </a:fontRef>
+        </p:style>
+      </p:cxnSp>
+      <p:sp>
+        <p:nvSpPr>
+          <p:cNvPr id="10" name="Textfeld 9"/>
+          <p:cNvSpPr txBox="1"/>
+          <p:nvPr/>
+        </p:nvSpPr>
+        <p:spPr>
+          <a:xfrm rot="16200000">
+            <a:off x="-397651" y="393080"/>
+            <a:ext cx="1133856" cy="338554"/>
+          </a:xfrm>
+          <a:prstGeom prst="rect">
+            <a:avLst/>
+          </a:prstGeom>
+          <a:noFill/>
+        </p:spPr>
+        <p:txBody>
+          <a:bodyPr wrap="square" rtlCol="0">
+            <a:spAutoFit/>
+          </a:bodyPr>
+          <a:lstStyle/>
+          <a:p>
+            <a:r>
+              <a:rPr lang="de-DE" sz="1600" dirty="0" smtClean="0">
+                <a:solidFill>
+                  <a:schemeClr val="bg1"/>
+                </a:solidFill>
+              </a:rPr>
+              <a:t>Frequenz</a:t>
+            </a:r>
+            <a:endParaRPr lang="de-DE" sz="1600" dirty="0">
+              <a:solidFill>
+                <a:schemeClr val="bg1"/>
+              </a:solidFill>
+            </a:endParaRPr>
+          </a:p>
+        </p:txBody>
+      </p:sp>
+      <p:sp>
+        <p:nvSpPr>
+          <p:cNvPr id="13" name="Textfeld 12"/>
+          <p:cNvSpPr txBox="1"/>
+          <p:nvPr/>
+        </p:nvSpPr>
+        <p:spPr>
+          <a:xfrm>
+            <a:off x="3639043" y="2180812"/>
+            <a:ext cx="525666" cy="338554"/>
+          </a:xfrm>
+          <a:prstGeom prst="rect">
+            <a:avLst/>
+          </a:prstGeom>
+          <a:noFill/>
+        </p:spPr>
+        <p:txBody>
+          <a:bodyPr wrap="square" rtlCol="0">
+            <a:spAutoFit/>
+          </a:bodyPr>
+          <a:lstStyle/>
+          <a:p>
+            <a:r>
+              <a:rPr lang="de-DE" sz="1600" dirty="0" smtClean="0">
+                <a:solidFill>
+                  <a:schemeClr val="bg1"/>
+                </a:solidFill>
+              </a:rPr>
+              <a:t>Zeit</a:t>
+            </a:r>
+            <a:endParaRPr lang="de-DE" sz="1600" dirty="0">
+              <a:solidFill>
+                <a:schemeClr val="bg1"/>
+              </a:solidFill>
+            </a:endParaRPr>
+          </a:p>
+        </p:txBody>
+      </p:sp>
+      <p:cxnSp>
+        <p:nvCxnSpPr>
+          <p:cNvPr id="15" name="Gerade Verbindung mit Pfeil 14"/>
+          <p:cNvCxnSpPr/>
+          <p:nvPr/>
+        </p:nvCxnSpPr>
+        <p:spPr>
+          <a:xfrm>
+            <a:off x="728699" y="1430259"/>
+            <a:ext cx="2773453" cy="0"/>
+          </a:xfrm>
+          <a:prstGeom prst="straightConnector1">
+            <a:avLst/>
+          </a:prstGeom>
+          <a:ln>
+            <a:solidFill>
+              <a:schemeClr val="bg1"/>
+            </a:solidFill>
+            <a:tailEnd type="triangle" w="med" len="med"/>
+          </a:ln>
+        </p:spPr>
+        <p:style>
+          <a:lnRef idx="1">
+            <a:schemeClr val="accent1"/>
+          </a:lnRef>
+          <a:fillRef idx="0">
+            <a:schemeClr val="accent1"/>
+          </a:fillRef>
+          <a:effectRef idx="0">
+            <a:schemeClr val="accent1"/>
+          </a:effectRef>
+          <a:fontRef idx="minor">
+            <a:schemeClr val="tx1"/>
+          </a:fontRef>
+        </p:style>
+      </p:cxnSp>
+      <p:sp>
+        <p:nvSpPr>
+          <p:cNvPr id="18" name="Textfeld 17"/>
+          <p:cNvSpPr txBox="1"/>
+          <p:nvPr/>
+        </p:nvSpPr>
+        <p:spPr>
+          <a:xfrm>
+            <a:off x="1235315" y="1349661"/>
+            <a:ext cx="1714499" cy="400110"/>
+          </a:xfrm>
+          <a:prstGeom prst="rect">
+            <a:avLst/>
+          </a:prstGeom>
+          <a:noFill/>
+        </p:spPr>
+        <p:txBody>
+          <a:bodyPr wrap="square" rtlCol="0">
+            <a:spAutoFit/>
+          </a:bodyPr>
+          <a:lstStyle/>
+          <a:p>
+            <a:r>
+              <a:rPr lang="de-DE" sz="2000" dirty="0" smtClean="0">
+                <a:solidFill>
+                  <a:schemeClr val="bg1"/>
+                </a:solidFill>
+              </a:rPr>
+              <a:t>CCA + </a:t>
+            </a:r>
+            <a:r>
+              <a:rPr lang="de-DE" sz="2000" dirty="0" err="1" smtClean="0">
+                <a:solidFill>
+                  <a:schemeClr val="bg1"/>
+                </a:solidFill>
+              </a:rPr>
+              <a:t>Backoff</a:t>
             </a:r>
             <a:endParaRPr lang="de-DE" sz="2000" dirty="0">
               <a:solidFill>
